--- a/Explanation and metrics for project GoogleSearch.pptx
+++ b/Explanation and metrics for project GoogleSearch.pptx
@@ -6213,6 +6213,10 @@
           <a:bodyPr/>
           <a:lstStyle/>
           <a:p>
+            <a:r>
+              <a:rPr lang="en-IN" dirty="0" smtClean="0"/>
+              <a:t> By Abhishek Divekar, March 2016</a:t>
+            </a:r>
             <a:endParaRPr lang="en-IN" dirty="0"/>
           </a:p>
         </p:txBody>

--- a/Explanation and metrics for project GoogleSearch.pptx
+++ b/Explanation and metrics for project GoogleSearch.pptx
@@ -6215,7 +6215,11 @@
           <a:p>
             <a:r>
               <a:rPr lang="en-IN" dirty="0" smtClean="0"/>
-              <a:t> By Abhishek Divekar, March 2016</a:t>
+              <a:t> By Abhishek Divekar, </a:t>
+            </a:r>
+            <a:r>
+              <a:rPr lang="en-IN" smtClean="0"/>
+              <a:t>March 2016, V.J.T.I.</a:t>
             </a:r>
             <a:endParaRPr lang="en-IN" dirty="0"/>
           </a:p>

--- a/Explanation and metrics for project GoogleSearch.pptx
+++ b/Explanation and metrics for project GoogleSearch.pptx
@@ -6215,11 +6215,11 @@
           <a:p>
             <a:r>
               <a:rPr lang="en-IN" dirty="0" smtClean="0"/>
-              <a:t> By Abhishek Divekar, </a:t>
+              <a:t> By Abhishek Divekar, March 2016, V.J.T.I. College</a:t>
             </a:r>
             <a:r>
               <a:rPr lang="en-IN" smtClean="0"/>
-              <a:t>March 2016, V.J.T.I.</a:t>
+              <a:t>, Mumbai</a:t>
             </a:r>
             <a:endParaRPr lang="en-IN" dirty="0"/>
           </a:p>

--- a/Explanation and metrics for project GoogleSearch.pptx
+++ b/Explanation and metrics for project GoogleSearch.pptx
@@ -6215,11 +6215,7 @@
           <a:p>
             <a:r>
               <a:rPr lang="en-IN" dirty="0" smtClean="0"/>
-              <a:t> By Abhishek Divekar, </a:t>
-            </a:r>
-            <a:r>
-              <a:rPr lang="en-IN" smtClean="0"/>
-              <a:t>March 2016, V.J.T.I.</a:t>
+              <a:t> By Abhishek Divekar, March 2016, V.J.T.I. College, Mumbai</a:t>
             </a:r>
             <a:endParaRPr lang="en-IN" dirty="0"/>
           </a:p>
